--- a/Vortrag A1008.pptx
+++ b/Vortrag A1008.pptx
@@ -11622,7 +11622,7 @@
           <a:p>
             <a:fld id="{C9071F95-0312-4097-A033-B27785ED25A1}" type="slidenum">
               <a:rPr lang="de-DE" smtClean="0"/>
-              <a:t>9</a:t>
+              <a:t>5</a:t>
             </a:fld>
             <a:endParaRPr lang="de-DE"/>
           </a:p>
@@ -11631,7 +11631,7 @@
     </p:spTree>
     <p:extLst>
       <p:ext uri="{BB962C8B-B14F-4D97-AF65-F5344CB8AC3E}">
-        <p14:creationId xmlns:p14="http://schemas.microsoft.com/office/powerpoint/2010/main" val="3622314567"/>
+        <p14:creationId xmlns:p14="http://schemas.microsoft.com/office/powerpoint/2010/main" val="3017057210"/>
       </p:ext>
     </p:extLst>
   </p:cSld>
@@ -11706,6 +11706,90 @@
           <a:p>
             <a:fld id="{C9071F95-0312-4097-A033-B27785ED25A1}" type="slidenum">
               <a:rPr lang="de-DE" smtClean="0"/>
+              <a:t>9</a:t>
+            </a:fld>
+            <a:endParaRPr lang="de-DE"/>
+          </a:p>
+        </p:txBody>
+      </p:sp>
+    </p:spTree>
+    <p:extLst>
+      <p:ext uri="{BB962C8B-B14F-4D97-AF65-F5344CB8AC3E}">
+        <p14:creationId xmlns:p14="http://schemas.microsoft.com/office/powerpoint/2010/main" val="3622314567"/>
+      </p:ext>
+    </p:extLst>
+  </p:cSld>
+  <p:clrMapOvr>
+    <a:masterClrMapping/>
+  </p:clrMapOvr>
+</p:notes>
+</file>
+
+<file path=ppt/notesSlides/notesSlide3.xml><?xml version="1.0" encoding="utf-8"?>
+<p:notes xmlns:a="http://schemas.openxmlformats.org/drawingml/2006/main" xmlns:r="http://schemas.openxmlformats.org/officeDocument/2006/relationships" xmlns:p="http://schemas.openxmlformats.org/presentationml/2006/main">
+  <p:cSld>
+    <p:spTree>
+      <p:nvGrpSpPr>
+        <p:cNvPr id="1" name=""/>
+        <p:cNvGrpSpPr/>
+        <p:nvPr/>
+      </p:nvGrpSpPr>
+      <p:grpSpPr>
+        <a:xfrm>
+          <a:off x="0" y="0"/>
+          <a:ext cx="0" cy="0"/>
+          <a:chOff x="0" y="0"/>
+          <a:chExt cx="0" cy="0"/>
+        </a:xfrm>
+      </p:grpSpPr>
+      <p:sp>
+        <p:nvSpPr>
+          <p:cNvPr id="2" name="Folienbildplatzhalter 1"/>
+          <p:cNvSpPr>
+            <a:spLocks noGrp="1" noRot="1" noChangeAspect="1"/>
+          </p:cNvSpPr>
+          <p:nvPr>
+            <p:ph type="sldImg"/>
+          </p:nvPr>
+        </p:nvSpPr>
+        <p:spPr/>
+      </p:sp>
+      <p:sp>
+        <p:nvSpPr>
+          <p:cNvPr id="3" name="Notizenplatzhalter 2"/>
+          <p:cNvSpPr>
+            <a:spLocks noGrp="1"/>
+          </p:cNvSpPr>
+          <p:nvPr>
+            <p:ph type="body" idx="1"/>
+          </p:nvPr>
+        </p:nvSpPr>
+        <p:spPr/>
+        <p:txBody>
+          <a:bodyPr/>
+          <a:lstStyle/>
+          <a:p>
+            <a:endParaRPr lang="de-DE" dirty="0"/>
+          </a:p>
+        </p:txBody>
+      </p:sp>
+      <p:sp>
+        <p:nvSpPr>
+          <p:cNvPr id="4" name="Foliennummernplatzhalter 3"/>
+          <p:cNvSpPr>
+            <a:spLocks noGrp="1"/>
+          </p:cNvSpPr>
+          <p:nvPr>
+            <p:ph type="sldNum" sz="quarter" idx="5"/>
+          </p:nvPr>
+        </p:nvSpPr>
+        <p:spPr/>
+        <p:txBody>
+          <a:bodyPr/>
+          <a:lstStyle/>
+          <a:p>
+            <a:fld id="{C9071F95-0312-4097-A033-B27785ED25A1}" type="slidenum">
+              <a:rPr lang="de-DE" smtClean="0"/>
               <a:t>11</a:t>
             </a:fld>
             <a:endParaRPr lang="de-DE"/>
@@ -11725,7 +11809,7 @@
 </p:notes>
 </file>
 
-<file path=ppt/notesSlides/notesSlide3.xml><?xml version="1.0" encoding="utf-8"?>
+<file path=ppt/notesSlides/notesSlide4.xml><?xml version="1.0" encoding="utf-8"?>
 <p:notes xmlns:a="http://schemas.openxmlformats.org/drawingml/2006/main" xmlns:r="http://schemas.openxmlformats.org/officeDocument/2006/relationships" xmlns:p="http://schemas.openxmlformats.org/presentationml/2006/main">
   <p:cSld>
     <p:spTree>
@@ -17394,7 +17478,7 @@
           <a:p>
             <a:r>
               <a:rPr lang="de-DE" dirty="0"/>
-              <a:t>Aufgabe A1008</a:t>
+              <a:t>Aufwandschätzung</a:t>
             </a:r>
           </a:p>
         </p:txBody>
@@ -17766,7 +17850,7 @@
         </p:nvSpPr>
         <p:spPr>
           <a:xfrm>
-            <a:off x="6826931" y="5728062"/>
+            <a:off x="7075409" y="6027003"/>
             <a:ext cx="5365069" cy="830997"/>
           </a:xfrm>
           <a:prstGeom prst="rect">
@@ -18161,8 +18245,8 @@
         </p:nvSpPr>
         <p:spPr>
           <a:xfrm>
-            <a:off x="10138787" y="6109900"/>
-            <a:ext cx="3326004" cy="461665"/>
+            <a:off x="10059274" y="6211669"/>
+            <a:ext cx="3326004" cy="646331"/>
           </a:xfrm>
           <a:prstGeom prst="rect">
             <a:avLst/>
@@ -18181,7 +18265,7 @@
                   <a:schemeClr val="accent4"/>
                 </a:solidFill>
               </a:rPr>
-              <a:t>Quelle: Eigene Darstellung</a:t>
+              <a:t>Quelle: </a:t>
             </a:r>
           </a:p>
           <a:p>
@@ -18191,7 +18275,17 @@
                   <a:schemeClr val="accent4"/>
                 </a:solidFill>
               </a:rPr>
-              <a:t>vgl. Moon, 2021, S. 154ff.</a:t>
+              <a:t>Eigene Darstellung</a:t>
+            </a:r>
+          </a:p>
+          <a:p>
+            <a:r>
+              <a:rPr lang="de-DE" sz="1200" dirty="0">
+                <a:solidFill>
+                  <a:schemeClr val="accent4"/>
+                </a:solidFill>
+              </a:rPr>
+              <a:t>vgl. Moon, 2021, S. 154 ff.</a:t>
             </a:r>
           </a:p>
         </p:txBody>
@@ -18354,7 +18448,7 @@
         </p:nvSpPr>
         <p:spPr>
           <a:xfrm>
-            <a:off x="9880879" y="6157627"/>
+            <a:off x="9880879" y="6159640"/>
             <a:ext cx="2311121" cy="646331"/>
           </a:xfrm>
           <a:prstGeom prst="rect">
@@ -18504,7 +18598,7 @@
         </p:nvSpPr>
         <p:spPr>
           <a:xfrm>
-            <a:off x="7267575" y="5562600"/>
+            <a:off x="7247697" y="5829085"/>
             <a:ext cx="5741986" cy="1015663"/>
           </a:xfrm>
           <a:prstGeom prst="rect">
@@ -18824,8 +18918,8 @@
           </a:p>
         </p:txBody>
       </p:sp>
-      <mc:AlternateContent xmlns:mc="http://schemas.openxmlformats.org/markup-compatibility/2006">
-        <mc:Choice xmlns:a14="http://schemas.microsoft.com/office/drawing/2010/main" Requires="a14">
+      <mc:AlternateContent xmlns:mc="http://schemas.openxmlformats.org/markup-compatibility/2006" xmlns:a14="http://schemas.microsoft.com/office/drawing/2010/main">
+        <mc:Choice Requires="a14">
           <p:sp>
             <p:nvSpPr>
               <p:cNvPr id="3" name="Inhaltsplatzhalter 2">
@@ -19175,7 +19269,7 @@
             </p:txBody>
           </p:sp>
         </mc:Choice>
-        <mc:Fallback>
+        <mc:Fallback xmlns="">
           <p:sp>
             <p:nvSpPr>
               <p:cNvPr id="3" name="Inhaltsplatzhalter 2">
@@ -23040,7 +23134,12 @@
             <p:ph idx="1"/>
           </p:nvPr>
         </p:nvSpPr>
-        <p:spPr/>
+        <p:spPr>
+          <a:xfrm>
+            <a:off x="1141413" y="2514600"/>
+            <a:ext cx="9905998" cy="3124201"/>
+          </a:xfrm>
+        </p:spPr>
         <p:txBody>
           <a:bodyPr/>
           <a:lstStyle/>
@@ -23064,7 +23163,7 @@
             </a:r>
             <a:r>
               <a:rPr lang="de-DE" dirty="0"/>
-              <a:t> Poker</a:t>
+              <a:t> – Poker</a:t>
             </a:r>
           </a:p>
           <a:p>
@@ -25383,8 +25482,8 @@
         </p:nvSpPr>
         <p:spPr>
           <a:xfrm>
-            <a:off x="9700182" y="6248400"/>
-            <a:ext cx="1935723" cy="369332"/>
+            <a:off x="9988416" y="6396335"/>
+            <a:ext cx="2203584" cy="461665"/>
           </a:xfrm>
           <a:prstGeom prst="rect">
             <a:avLst/>
@@ -25392,39 +25491,48 @@
           <a:noFill/>
         </p:spPr>
         <p:txBody>
-          <a:bodyPr wrap="none" rtlCol="0">
+          <a:bodyPr wrap="square" rtlCol="0">
             <a:spAutoFit/>
           </a:bodyPr>
           <a:lstStyle/>
           <a:p>
             <a:r>
-              <a:rPr lang="de-DE" dirty="0">
+              <a:rPr lang="de-DE" sz="1200" dirty="0">
                 <a:solidFill>
                   <a:schemeClr val="accent4"/>
                 </a:solidFill>
-                <a:latin typeface="Calibri" panose="020F0502020204030204" pitchFamily="34" charset="0"/>
+                <a:ea typeface="Calibri" panose="020F0502020204030204" pitchFamily="34" charset="0"/>
+                <a:cs typeface="Times New Roman" panose="02020603050405020304" pitchFamily="18" charset="0"/>
+              </a:rPr>
+              <a:t>Quellen:</a:t>
+            </a:r>
+          </a:p>
+          <a:p>
+            <a:r>
+              <a:rPr lang="de-DE" sz="1200" dirty="0">
+                <a:solidFill>
+                  <a:schemeClr val="accent4"/>
+                </a:solidFill>
                 <a:ea typeface="Calibri" panose="020F0502020204030204" pitchFamily="34" charset="0"/>
                 <a:cs typeface="Times New Roman" panose="02020603050405020304" pitchFamily="18" charset="0"/>
               </a:rPr>
               <a:t>vgl. </a:t>
             </a:r>
             <a:r>
-              <a:rPr lang="de-DE" dirty="0" err="1">
+              <a:rPr lang="de-DE" sz="1200" dirty="0" err="1">
                 <a:solidFill>
                   <a:schemeClr val="accent4"/>
                 </a:solidFill>
-                <a:latin typeface="Calibri" panose="020F0502020204030204" pitchFamily="34" charset="0"/>
                 <a:ea typeface="Calibri" panose="020F0502020204030204" pitchFamily="34" charset="0"/>
                 <a:cs typeface="Times New Roman" panose="02020603050405020304" pitchFamily="18" charset="0"/>
               </a:rPr>
               <a:t>Grotherr</a:t>
             </a:r>
             <a:r>
-              <a:rPr lang="de-DE" dirty="0">
+              <a:rPr lang="de-DE" sz="1200" dirty="0">
                 <a:solidFill>
                   <a:schemeClr val="accent4"/>
                 </a:solidFill>
-                <a:latin typeface="Calibri" panose="020F0502020204030204" pitchFamily="34" charset="0"/>
                 <a:ea typeface="Calibri" panose="020F0502020204030204" pitchFamily="34" charset="0"/>
                 <a:cs typeface="Times New Roman" panose="02020603050405020304" pitchFamily="18" charset="0"/>
               </a:rPr>
@@ -25526,7 +25634,7 @@
         </p:nvSpPr>
         <p:spPr>
           <a:xfrm>
-            <a:off x="649494" y="2991679"/>
+            <a:off x="649494" y="3209187"/>
             <a:ext cx="10397917" cy="3187148"/>
           </a:xfrm>
         </p:spPr>
@@ -25538,36 +25646,36 @@
           <a:p>
             <a:pPr lvl="1"/>
             <a:r>
-              <a:rPr lang="de-DE" dirty="0"/>
+              <a:rPr lang="de-DE" sz="2000" dirty="0"/>
               <a:t>Was?:	Agile Aufwandschätzung (Zeit)</a:t>
             </a:r>
           </a:p>
           <a:p>
             <a:pPr lvl="1"/>
             <a:r>
-              <a:rPr lang="de-DE" dirty="0"/>
+              <a:rPr lang="de-DE" sz="2000" dirty="0"/>
               <a:t>Mittel: 	13 Karten (0-100, ? , Kaffeetasse)</a:t>
             </a:r>
           </a:p>
           <a:p>
             <a:pPr lvl="1"/>
             <a:r>
-              <a:rPr lang="de-DE" dirty="0"/>
+              <a:rPr lang="de-DE" sz="2000" dirty="0"/>
               <a:t>Idee:		Jede Karte schätzt den Aufwand einer Teilaufgabe</a:t>
             </a:r>
           </a:p>
           <a:p>
             <a:pPr lvl="1"/>
             <a:r>
-              <a:rPr lang="de-DE" dirty="0"/>
+              <a:rPr lang="de-DE" sz="2000" dirty="0"/>
               <a:t>Mitspieler:	Moderator (</a:t>
             </a:r>
             <a:r>
-              <a:rPr lang="de-DE" dirty="0" err="1"/>
+              <a:rPr lang="de-DE" sz="2000" dirty="0" err="1"/>
               <a:t>Scrum</a:t>
             </a:r>
             <a:r>
-              <a:rPr lang="de-DE" dirty="0"/>
+              <a:rPr lang="de-DE" sz="2000" dirty="0"/>
               <a:t> Master) , Mitglieder des Entwicklungsteams/Auftraggebers</a:t>
             </a:r>
           </a:p>
@@ -25605,7 +25713,7 @@
         </p:nvSpPr>
         <p:spPr>
           <a:xfrm>
-            <a:off x="9373156" y="6178827"/>
+            <a:off x="9671329" y="6396335"/>
             <a:ext cx="3165231" cy="461665"/>
           </a:xfrm>
           <a:prstGeom prst="rect">
@@ -25635,7 +25743,6 @@
                   <a:schemeClr val="accent4"/>
                 </a:solidFill>
                 <a:effectLst/>
-                <a:latin typeface="Calibri" panose="020F0502020204030204" pitchFamily="34" charset="0"/>
                 <a:ea typeface="Calibri" panose="020F0502020204030204" pitchFamily="34" charset="0"/>
                 <a:cs typeface="Times New Roman" panose="02020603050405020304" pitchFamily="18" charset="0"/>
               </a:rPr>
@@ -25647,7 +25754,6 @@
                   <a:schemeClr val="accent4"/>
                 </a:solidFill>
                 <a:effectLst/>
-                <a:latin typeface="Calibri" panose="020F0502020204030204" pitchFamily="34" charset="0"/>
                 <a:ea typeface="Calibri" panose="020F0502020204030204" pitchFamily="34" charset="0"/>
                 <a:cs typeface="Times New Roman" panose="02020603050405020304" pitchFamily="18" charset="0"/>
               </a:rPr>
@@ -25659,7 +25765,6 @@
                   <a:schemeClr val="accent4"/>
                 </a:solidFill>
                 <a:effectLst/>
-                <a:latin typeface="Calibri" panose="020F0502020204030204" pitchFamily="34" charset="0"/>
                 <a:ea typeface="Calibri" panose="020F0502020204030204" pitchFamily="34" charset="0"/>
                 <a:cs typeface="Times New Roman" panose="02020603050405020304" pitchFamily="18" charset="0"/>
               </a:rPr>
@@ -25670,7 +25775,6 @@
                 <a:solidFill>
                   <a:schemeClr val="accent4"/>
                 </a:solidFill>
-                <a:latin typeface="Calibri" panose="020F0502020204030204" pitchFamily="34" charset="0"/>
                 <a:ea typeface="Calibri" panose="020F0502020204030204" pitchFamily="34" charset="0"/>
                 <a:cs typeface="Times New Roman" panose="02020603050405020304" pitchFamily="18" charset="0"/>
               </a:rPr>
@@ -25681,7 +25785,6 @@
                 <a:schemeClr val="accent4"/>
               </a:solidFill>
               <a:effectLst/>
-              <a:latin typeface="Calibri" panose="020F0502020204030204" pitchFamily="34" charset="0"/>
               <a:ea typeface="Calibri" panose="020F0502020204030204" pitchFamily="34" charset="0"/>
               <a:cs typeface="Times New Roman" panose="02020603050405020304" pitchFamily="18" charset="0"/>
             </a:endParaRPr>
@@ -25948,7 +26051,7 @@
         </p:nvSpPr>
         <p:spPr>
           <a:xfrm>
-            <a:off x="9026769" y="6248400"/>
+            <a:off x="11047411" y="6396335"/>
             <a:ext cx="3165231" cy="461665"/>
           </a:xfrm>
           <a:prstGeom prst="rect">
@@ -26462,7 +26565,7 @@
         </p:nvSpPr>
         <p:spPr>
           <a:xfrm>
-            <a:off x="8768177" y="6004946"/>
+            <a:off x="9026769" y="6027003"/>
             <a:ext cx="3165231" cy="830997"/>
           </a:xfrm>
           <a:prstGeom prst="rect">
@@ -26735,7 +26838,7 @@
         </p:nvSpPr>
         <p:spPr>
           <a:xfrm>
-            <a:off x="8768177" y="6191790"/>
+            <a:off x="9026769" y="6211669"/>
             <a:ext cx="3165231" cy="646331"/>
           </a:xfrm>
           <a:prstGeom prst="rect">
@@ -26927,8 +27030,8 @@
         </p:nvSpPr>
         <p:spPr>
           <a:xfrm>
-            <a:off x="9224387" y="6109900"/>
-            <a:ext cx="2964209" cy="276999"/>
+            <a:off x="9383218" y="6396335"/>
+            <a:ext cx="2808782" cy="461665"/>
           </a:xfrm>
           <a:prstGeom prst="rect">
             <a:avLst/>
@@ -26950,19 +27053,27 @@
                 <a:ea typeface="Calibri" panose="020F0502020204030204" pitchFamily="34" charset="0"/>
                 <a:cs typeface="Times New Roman" panose="02020603050405020304" pitchFamily="18" charset="0"/>
               </a:rPr>
-              <a:t>Quelle</a:t>
-            </a:r>
+              <a:t>Quelle: </a:t>
+            </a:r>
+            <a:endParaRPr lang="de-DE" sz="1200" dirty="0">
+              <a:solidFill>
+                <a:schemeClr val="accent4"/>
+              </a:solidFill>
+              <a:ea typeface="Calibri" panose="020F0502020204030204" pitchFamily="34" charset="0"/>
+              <a:cs typeface="Times New Roman" panose="02020603050405020304" pitchFamily="18" charset="0"/>
+            </a:endParaRPr>
+          </a:p>
+          <a:p>
             <a:r>
               <a:rPr lang="de-DE" sz="1200" dirty="0">
                 <a:solidFill>
                   <a:schemeClr val="accent4"/>
                 </a:solidFill>
                 <a:effectLst/>
-                <a:latin typeface="Calibri" panose="020F0502020204030204" pitchFamily="34" charset="0"/>
                 <a:ea typeface="Calibri" panose="020F0502020204030204" pitchFamily="34" charset="0"/>
                 <a:cs typeface="Times New Roman" panose="02020603050405020304" pitchFamily="18" charset="0"/>
               </a:rPr>
-              <a:t>: Vgl. Romeike &amp; Hager, 2020, S. 29ff.</a:t>
+              <a:t>Vgl. Romeike &amp; Hager, 2020, S. 29ff.</a:t>
             </a:r>
             <a:endParaRPr lang="de-DE" sz="1200" dirty="0">
               <a:solidFill>
